--- a/ppt 16-9/0368.救恩普及歌.pptx
+++ b/ppt 16-9/0368.救恩普及歌.pptx
@@ -5,7 +5,7 @@
     <p:sldMasterId id="2147483648" r:id="rId1"/>
   </p:sldMasterIdLst>
   <p:sldIdLst>
-    <p:sldId id="3279" r:id="rId2"/>
+    <p:sldId id="3281" r:id="rId2"/>
   </p:sldIdLst>
   <p:sldSz cx="12192000" cy="6858000"/>
   <p:notesSz cx="6858000" cy="9144000"/>
@@ -129,7 +129,7 @@
           <p:cNvPr id="2" name="标题 1">
             <a:extLst>
               <a:ext uri="{FF2B5EF4-FFF2-40B4-BE49-F238E27FC236}">
-                <a16:creationId xmlns:a16="http://schemas.microsoft.com/office/drawing/2014/main" id="{113D906E-2D48-9CD9-5DF1-3061B9609A6F}"/>
+                <a16:creationId xmlns:a16="http://schemas.microsoft.com/office/drawing/2014/main" id="{793988E0-873E-657C-A98A-2A920E72CE7C}"/>
               </a:ext>
             </a:extLst>
           </p:cNvPr>
@@ -166,7 +166,7 @@
           <p:cNvPr id="3" name="副标题 2">
             <a:extLst>
               <a:ext uri="{FF2B5EF4-FFF2-40B4-BE49-F238E27FC236}">
-                <a16:creationId xmlns:a16="http://schemas.microsoft.com/office/drawing/2014/main" id="{03876BD0-67E1-6325-9790-1DC1AEEC5EB4}"/>
+                <a16:creationId xmlns:a16="http://schemas.microsoft.com/office/drawing/2014/main" id="{1D86E593-986D-56C7-2752-42C039B3F8A0}"/>
               </a:ext>
             </a:extLst>
           </p:cNvPr>
@@ -236,7 +236,7 @@
           <p:cNvPr id="4" name="日期占位符 3">
             <a:extLst>
               <a:ext uri="{FF2B5EF4-FFF2-40B4-BE49-F238E27FC236}">
-                <a16:creationId xmlns:a16="http://schemas.microsoft.com/office/drawing/2014/main" id="{ACB6EC13-1303-A858-1C68-9B7454345312}"/>
+                <a16:creationId xmlns:a16="http://schemas.microsoft.com/office/drawing/2014/main" id="{655E9D2E-4F84-EA61-3E35-AE02410925FF}"/>
               </a:ext>
             </a:extLst>
           </p:cNvPr>
@@ -252,7 +252,7 @@
           <a:bodyPr/>
           <a:lstStyle/>
           <a:p>
-            <a:fld id="{E9018A25-DD76-4BFE-83AD-8E9D90626E2A}" type="datetimeFigureOut">
+            <a:fld id="{25B13478-42A8-475E-ADA4-1609C6ADC592}" type="datetimeFigureOut">
               <a:rPr lang="zh-CN" altLang="en-US" smtClean="0"/>
               <a:t>2024/3/10</a:t>
             </a:fld>
@@ -265,7 +265,7 @@
           <p:cNvPr id="5" name="页脚占位符 4">
             <a:extLst>
               <a:ext uri="{FF2B5EF4-FFF2-40B4-BE49-F238E27FC236}">
-                <a16:creationId xmlns:a16="http://schemas.microsoft.com/office/drawing/2014/main" id="{F787A44F-08D0-A8AA-6178-81748012026E}"/>
+                <a16:creationId xmlns:a16="http://schemas.microsoft.com/office/drawing/2014/main" id="{40D89B28-3FA6-F641-4E30-9587E67EF505}"/>
               </a:ext>
             </a:extLst>
           </p:cNvPr>
@@ -290,7 +290,7 @@
           <p:cNvPr id="6" name="灯片编号占位符 5">
             <a:extLst>
               <a:ext uri="{FF2B5EF4-FFF2-40B4-BE49-F238E27FC236}">
-                <a16:creationId xmlns:a16="http://schemas.microsoft.com/office/drawing/2014/main" id="{202F8AB6-C40D-8A85-E2FC-4ED2F58394F4}"/>
+                <a16:creationId xmlns:a16="http://schemas.microsoft.com/office/drawing/2014/main" id="{07F91DEF-1A80-EB75-B0FF-E54210D5C8F3}"/>
               </a:ext>
             </a:extLst>
           </p:cNvPr>
@@ -306,7 +306,7 @@
           <a:bodyPr/>
           <a:lstStyle/>
           <a:p>
-            <a:fld id="{05603804-EB28-4121-BF09-B07BC83A3622}" type="slidenum">
+            <a:fld id="{0AB68ECD-8784-4D92-B5E8-E59B550D333E}" type="slidenum">
               <a:rPr lang="zh-CN" altLang="en-US" smtClean="0"/>
               <a:t>‹#›</a:t>
             </a:fld>
@@ -317,7 +317,7 @@
     </p:spTree>
     <p:extLst>
       <p:ext uri="{BB962C8B-B14F-4D97-AF65-F5344CB8AC3E}">
-        <p14:creationId xmlns:p14="http://schemas.microsoft.com/office/powerpoint/2010/main" val="3797954336"/>
+        <p14:creationId xmlns:p14="http://schemas.microsoft.com/office/powerpoint/2010/main" val="1496331195"/>
       </p:ext>
     </p:extLst>
   </p:cSld>
@@ -349,7 +349,7 @@
           <p:cNvPr id="2" name="标题 1">
             <a:extLst>
               <a:ext uri="{FF2B5EF4-FFF2-40B4-BE49-F238E27FC236}">
-                <a16:creationId xmlns:a16="http://schemas.microsoft.com/office/drawing/2014/main" id="{E6DEDAE5-3BE5-0893-6A4E-EA4D57F7ED26}"/>
+                <a16:creationId xmlns:a16="http://schemas.microsoft.com/office/drawing/2014/main" id="{367DB4BC-20C8-782B-01FA-E500F29950AD}"/>
               </a:ext>
             </a:extLst>
           </p:cNvPr>
@@ -377,7 +377,7 @@
           <p:cNvPr id="3" name="竖排文字占位符 2">
             <a:extLst>
               <a:ext uri="{FF2B5EF4-FFF2-40B4-BE49-F238E27FC236}">
-                <a16:creationId xmlns:a16="http://schemas.microsoft.com/office/drawing/2014/main" id="{B39DC94A-AC3D-1459-30CB-B5A2F6C9BA49}"/>
+                <a16:creationId xmlns:a16="http://schemas.microsoft.com/office/drawing/2014/main" id="{2FA7C2C6-268B-A71F-25AF-B1E2CE489A86}"/>
               </a:ext>
             </a:extLst>
           </p:cNvPr>
@@ -434,7 +434,7 @@
           <p:cNvPr id="4" name="日期占位符 3">
             <a:extLst>
               <a:ext uri="{FF2B5EF4-FFF2-40B4-BE49-F238E27FC236}">
-                <a16:creationId xmlns:a16="http://schemas.microsoft.com/office/drawing/2014/main" id="{9B9A1FCF-2FD3-D92A-33EC-FF0270609D66}"/>
+                <a16:creationId xmlns:a16="http://schemas.microsoft.com/office/drawing/2014/main" id="{4DA2D829-7D91-8A99-54EE-24919521B6AA}"/>
               </a:ext>
             </a:extLst>
           </p:cNvPr>
@@ -450,7 +450,7 @@
           <a:bodyPr/>
           <a:lstStyle/>
           <a:p>
-            <a:fld id="{E9018A25-DD76-4BFE-83AD-8E9D90626E2A}" type="datetimeFigureOut">
+            <a:fld id="{25B13478-42A8-475E-ADA4-1609C6ADC592}" type="datetimeFigureOut">
               <a:rPr lang="zh-CN" altLang="en-US" smtClean="0"/>
               <a:t>2024/3/10</a:t>
             </a:fld>
@@ -463,7 +463,7 @@
           <p:cNvPr id="5" name="页脚占位符 4">
             <a:extLst>
               <a:ext uri="{FF2B5EF4-FFF2-40B4-BE49-F238E27FC236}">
-                <a16:creationId xmlns:a16="http://schemas.microsoft.com/office/drawing/2014/main" id="{7BA0F456-0A13-30BB-D19C-A1DBB66070D3}"/>
+                <a16:creationId xmlns:a16="http://schemas.microsoft.com/office/drawing/2014/main" id="{A665306C-2509-8E09-0BB6-E156E726F502}"/>
               </a:ext>
             </a:extLst>
           </p:cNvPr>
@@ -488,7 +488,7 @@
           <p:cNvPr id="6" name="灯片编号占位符 5">
             <a:extLst>
               <a:ext uri="{FF2B5EF4-FFF2-40B4-BE49-F238E27FC236}">
-                <a16:creationId xmlns:a16="http://schemas.microsoft.com/office/drawing/2014/main" id="{3A6D322C-A40E-88DD-9914-652CE837079F}"/>
+                <a16:creationId xmlns:a16="http://schemas.microsoft.com/office/drawing/2014/main" id="{11ADC950-4FC4-2072-2377-68AB6E8C1033}"/>
               </a:ext>
             </a:extLst>
           </p:cNvPr>
@@ -504,7 +504,7 @@
           <a:bodyPr/>
           <a:lstStyle/>
           <a:p>
-            <a:fld id="{05603804-EB28-4121-BF09-B07BC83A3622}" type="slidenum">
+            <a:fld id="{0AB68ECD-8784-4D92-B5E8-E59B550D333E}" type="slidenum">
               <a:rPr lang="zh-CN" altLang="en-US" smtClean="0"/>
               <a:t>‹#›</a:t>
             </a:fld>
@@ -515,7 +515,7 @@
     </p:spTree>
     <p:extLst>
       <p:ext uri="{BB962C8B-B14F-4D97-AF65-F5344CB8AC3E}">
-        <p14:creationId xmlns:p14="http://schemas.microsoft.com/office/powerpoint/2010/main" val="1531091109"/>
+        <p14:creationId xmlns:p14="http://schemas.microsoft.com/office/powerpoint/2010/main" val="3943310046"/>
       </p:ext>
     </p:extLst>
   </p:cSld>
@@ -547,7 +547,7 @@
           <p:cNvPr id="2" name="竖排标题 1">
             <a:extLst>
               <a:ext uri="{FF2B5EF4-FFF2-40B4-BE49-F238E27FC236}">
-                <a16:creationId xmlns:a16="http://schemas.microsoft.com/office/drawing/2014/main" id="{A86A2938-0E40-DEFF-2068-63718FFC2E9B}"/>
+                <a16:creationId xmlns:a16="http://schemas.microsoft.com/office/drawing/2014/main" id="{F0B3DC09-619D-E71A-A790-8DDDFF65B1BB}"/>
               </a:ext>
             </a:extLst>
           </p:cNvPr>
@@ -580,7 +580,7 @@
           <p:cNvPr id="3" name="竖排文字占位符 2">
             <a:extLst>
               <a:ext uri="{FF2B5EF4-FFF2-40B4-BE49-F238E27FC236}">
-                <a16:creationId xmlns:a16="http://schemas.microsoft.com/office/drawing/2014/main" id="{1422675B-9312-38DC-319E-48C6C3ADC1C3}"/>
+                <a16:creationId xmlns:a16="http://schemas.microsoft.com/office/drawing/2014/main" id="{94F8E45D-F4EA-DF2D-548A-644C15E58E65}"/>
               </a:ext>
             </a:extLst>
           </p:cNvPr>
@@ -642,7 +642,7 @@
           <p:cNvPr id="4" name="日期占位符 3">
             <a:extLst>
               <a:ext uri="{FF2B5EF4-FFF2-40B4-BE49-F238E27FC236}">
-                <a16:creationId xmlns:a16="http://schemas.microsoft.com/office/drawing/2014/main" id="{2E4CA84F-8E50-E334-0299-833542A5AE80}"/>
+                <a16:creationId xmlns:a16="http://schemas.microsoft.com/office/drawing/2014/main" id="{EFFCCBC7-B3E1-513C-AC58-63592EFAAD1C}"/>
               </a:ext>
             </a:extLst>
           </p:cNvPr>
@@ -658,7 +658,7 @@
           <a:bodyPr/>
           <a:lstStyle/>
           <a:p>
-            <a:fld id="{E9018A25-DD76-4BFE-83AD-8E9D90626E2A}" type="datetimeFigureOut">
+            <a:fld id="{25B13478-42A8-475E-ADA4-1609C6ADC592}" type="datetimeFigureOut">
               <a:rPr lang="zh-CN" altLang="en-US" smtClean="0"/>
               <a:t>2024/3/10</a:t>
             </a:fld>
@@ -671,7 +671,7 @@
           <p:cNvPr id="5" name="页脚占位符 4">
             <a:extLst>
               <a:ext uri="{FF2B5EF4-FFF2-40B4-BE49-F238E27FC236}">
-                <a16:creationId xmlns:a16="http://schemas.microsoft.com/office/drawing/2014/main" id="{09BF5FF2-78B8-04C8-3C39-BD7831361298}"/>
+                <a16:creationId xmlns:a16="http://schemas.microsoft.com/office/drawing/2014/main" id="{F40FD9C4-D85A-59A5-50B7-3B516F62E3B8}"/>
               </a:ext>
             </a:extLst>
           </p:cNvPr>
@@ -696,7 +696,7 @@
           <p:cNvPr id="6" name="灯片编号占位符 5">
             <a:extLst>
               <a:ext uri="{FF2B5EF4-FFF2-40B4-BE49-F238E27FC236}">
-                <a16:creationId xmlns:a16="http://schemas.microsoft.com/office/drawing/2014/main" id="{4922310B-95CE-70C9-1C90-D4439F1BBDD6}"/>
+                <a16:creationId xmlns:a16="http://schemas.microsoft.com/office/drawing/2014/main" id="{A738763F-C33D-8E59-C503-E86B7584FE1C}"/>
               </a:ext>
             </a:extLst>
           </p:cNvPr>
@@ -712,7 +712,7 @@
           <a:bodyPr/>
           <a:lstStyle/>
           <a:p>
-            <a:fld id="{05603804-EB28-4121-BF09-B07BC83A3622}" type="slidenum">
+            <a:fld id="{0AB68ECD-8784-4D92-B5E8-E59B550D333E}" type="slidenum">
               <a:rPr lang="zh-CN" altLang="en-US" smtClean="0"/>
               <a:t>‹#›</a:t>
             </a:fld>
@@ -723,7 +723,7 @@
     </p:spTree>
     <p:extLst>
       <p:ext uri="{BB962C8B-B14F-4D97-AF65-F5344CB8AC3E}">
-        <p14:creationId xmlns:p14="http://schemas.microsoft.com/office/powerpoint/2010/main" val="3612677303"/>
+        <p14:creationId xmlns:p14="http://schemas.microsoft.com/office/powerpoint/2010/main" val="338165224"/>
       </p:ext>
     </p:extLst>
   </p:cSld>
@@ -755,7 +755,7 @@
           <p:cNvPr id="2" name="标题 1">
             <a:extLst>
               <a:ext uri="{FF2B5EF4-FFF2-40B4-BE49-F238E27FC236}">
-                <a16:creationId xmlns:a16="http://schemas.microsoft.com/office/drawing/2014/main" id="{D0E132A0-9608-7568-3E49-23643EE8787F}"/>
+                <a16:creationId xmlns:a16="http://schemas.microsoft.com/office/drawing/2014/main" id="{C4D43811-218D-D664-5FC3-43B1AC41ADA3}"/>
               </a:ext>
             </a:extLst>
           </p:cNvPr>
@@ -783,7 +783,7 @@
           <p:cNvPr id="3" name="内容占位符 2">
             <a:extLst>
               <a:ext uri="{FF2B5EF4-FFF2-40B4-BE49-F238E27FC236}">
-                <a16:creationId xmlns:a16="http://schemas.microsoft.com/office/drawing/2014/main" id="{D93F7596-C609-D933-B043-FF028154A283}"/>
+                <a16:creationId xmlns:a16="http://schemas.microsoft.com/office/drawing/2014/main" id="{264E5129-DA7F-70B4-C703-D71A8A8B54C8}"/>
               </a:ext>
             </a:extLst>
           </p:cNvPr>
@@ -840,7 +840,7 @@
           <p:cNvPr id="4" name="日期占位符 3">
             <a:extLst>
               <a:ext uri="{FF2B5EF4-FFF2-40B4-BE49-F238E27FC236}">
-                <a16:creationId xmlns:a16="http://schemas.microsoft.com/office/drawing/2014/main" id="{3F4E0029-5FE5-2DC7-6DA6-9FB14351CD49}"/>
+                <a16:creationId xmlns:a16="http://schemas.microsoft.com/office/drawing/2014/main" id="{55604DF9-6051-0FAB-23F0-4367B77EF868}"/>
               </a:ext>
             </a:extLst>
           </p:cNvPr>
@@ -856,7 +856,7 @@
           <a:bodyPr/>
           <a:lstStyle/>
           <a:p>
-            <a:fld id="{E9018A25-DD76-4BFE-83AD-8E9D90626E2A}" type="datetimeFigureOut">
+            <a:fld id="{25B13478-42A8-475E-ADA4-1609C6ADC592}" type="datetimeFigureOut">
               <a:rPr lang="zh-CN" altLang="en-US" smtClean="0"/>
               <a:t>2024/3/10</a:t>
             </a:fld>
@@ -869,7 +869,7 @@
           <p:cNvPr id="5" name="页脚占位符 4">
             <a:extLst>
               <a:ext uri="{FF2B5EF4-FFF2-40B4-BE49-F238E27FC236}">
-                <a16:creationId xmlns:a16="http://schemas.microsoft.com/office/drawing/2014/main" id="{E0520195-0235-9240-81BA-B2013B10ED38}"/>
+                <a16:creationId xmlns:a16="http://schemas.microsoft.com/office/drawing/2014/main" id="{701E83D4-0743-209F-DE2E-AC6534F84236}"/>
               </a:ext>
             </a:extLst>
           </p:cNvPr>
@@ -894,7 +894,7 @@
           <p:cNvPr id="6" name="灯片编号占位符 5">
             <a:extLst>
               <a:ext uri="{FF2B5EF4-FFF2-40B4-BE49-F238E27FC236}">
-                <a16:creationId xmlns:a16="http://schemas.microsoft.com/office/drawing/2014/main" id="{98EAD19F-4B8C-7B2C-B572-CEF7149CB2AB}"/>
+                <a16:creationId xmlns:a16="http://schemas.microsoft.com/office/drawing/2014/main" id="{FF589FD1-7C5B-F970-504C-D7AECE8F95BD}"/>
               </a:ext>
             </a:extLst>
           </p:cNvPr>
@@ -910,7 +910,7 @@
           <a:bodyPr/>
           <a:lstStyle/>
           <a:p>
-            <a:fld id="{05603804-EB28-4121-BF09-B07BC83A3622}" type="slidenum">
+            <a:fld id="{0AB68ECD-8784-4D92-B5E8-E59B550D333E}" type="slidenum">
               <a:rPr lang="zh-CN" altLang="en-US" smtClean="0"/>
               <a:t>‹#›</a:t>
             </a:fld>
@@ -921,7 +921,7 @@
     </p:spTree>
     <p:extLst>
       <p:ext uri="{BB962C8B-B14F-4D97-AF65-F5344CB8AC3E}">
-        <p14:creationId xmlns:p14="http://schemas.microsoft.com/office/powerpoint/2010/main" val="1776803824"/>
+        <p14:creationId xmlns:p14="http://schemas.microsoft.com/office/powerpoint/2010/main" val="853792824"/>
       </p:ext>
     </p:extLst>
   </p:cSld>
@@ -953,7 +953,7 @@
           <p:cNvPr id="2" name="标题 1">
             <a:extLst>
               <a:ext uri="{FF2B5EF4-FFF2-40B4-BE49-F238E27FC236}">
-                <a16:creationId xmlns:a16="http://schemas.microsoft.com/office/drawing/2014/main" id="{A0FF8E53-BDC9-D0EB-F1FD-BD5F7C2D6FB0}"/>
+                <a16:creationId xmlns:a16="http://schemas.microsoft.com/office/drawing/2014/main" id="{F039FAD9-C3C2-A07F-8082-326BDD0AE2C5}"/>
               </a:ext>
             </a:extLst>
           </p:cNvPr>
@@ -990,7 +990,7 @@
           <p:cNvPr id="3" name="文本占位符 2">
             <a:extLst>
               <a:ext uri="{FF2B5EF4-FFF2-40B4-BE49-F238E27FC236}">
-                <a16:creationId xmlns:a16="http://schemas.microsoft.com/office/drawing/2014/main" id="{FE9D5325-100E-064F-4263-0B9C0E97849C}"/>
+                <a16:creationId xmlns:a16="http://schemas.microsoft.com/office/drawing/2014/main" id="{9AB7D79B-94CF-93FF-F979-D971AFDE933E}"/>
               </a:ext>
             </a:extLst>
           </p:cNvPr>
@@ -1115,7 +1115,7 @@
           <p:cNvPr id="4" name="日期占位符 3">
             <a:extLst>
               <a:ext uri="{FF2B5EF4-FFF2-40B4-BE49-F238E27FC236}">
-                <a16:creationId xmlns:a16="http://schemas.microsoft.com/office/drawing/2014/main" id="{24CACE34-D26A-2504-F7BD-19620D2FFEF9}"/>
+                <a16:creationId xmlns:a16="http://schemas.microsoft.com/office/drawing/2014/main" id="{16C19221-43AB-B395-E835-14B326823BD9}"/>
               </a:ext>
             </a:extLst>
           </p:cNvPr>
@@ -1131,7 +1131,7 @@
           <a:bodyPr/>
           <a:lstStyle/>
           <a:p>
-            <a:fld id="{E9018A25-DD76-4BFE-83AD-8E9D90626E2A}" type="datetimeFigureOut">
+            <a:fld id="{25B13478-42A8-475E-ADA4-1609C6ADC592}" type="datetimeFigureOut">
               <a:rPr lang="zh-CN" altLang="en-US" smtClean="0"/>
               <a:t>2024/3/10</a:t>
             </a:fld>
@@ -1144,7 +1144,7 @@
           <p:cNvPr id="5" name="页脚占位符 4">
             <a:extLst>
               <a:ext uri="{FF2B5EF4-FFF2-40B4-BE49-F238E27FC236}">
-                <a16:creationId xmlns:a16="http://schemas.microsoft.com/office/drawing/2014/main" id="{7E680834-304F-D82B-5AB6-980A44954827}"/>
+                <a16:creationId xmlns:a16="http://schemas.microsoft.com/office/drawing/2014/main" id="{D136F122-D7F0-A957-C1EF-503980A328A5}"/>
               </a:ext>
             </a:extLst>
           </p:cNvPr>
@@ -1169,7 +1169,7 @@
           <p:cNvPr id="6" name="灯片编号占位符 5">
             <a:extLst>
               <a:ext uri="{FF2B5EF4-FFF2-40B4-BE49-F238E27FC236}">
-                <a16:creationId xmlns:a16="http://schemas.microsoft.com/office/drawing/2014/main" id="{8C03086E-74CE-664D-A7F5-4BA4C5B35664}"/>
+                <a16:creationId xmlns:a16="http://schemas.microsoft.com/office/drawing/2014/main" id="{43705C01-76F5-7EA9-4456-92B9959C9D35}"/>
               </a:ext>
             </a:extLst>
           </p:cNvPr>
@@ -1185,7 +1185,7 @@
           <a:bodyPr/>
           <a:lstStyle/>
           <a:p>
-            <a:fld id="{05603804-EB28-4121-BF09-B07BC83A3622}" type="slidenum">
+            <a:fld id="{0AB68ECD-8784-4D92-B5E8-E59B550D333E}" type="slidenum">
               <a:rPr lang="zh-CN" altLang="en-US" smtClean="0"/>
               <a:t>‹#›</a:t>
             </a:fld>
@@ -1196,7 +1196,7 @@
     </p:spTree>
     <p:extLst>
       <p:ext uri="{BB962C8B-B14F-4D97-AF65-F5344CB8AC3E}">
-        <p14:creationId xmlns:p14="http://schemas.microsoft.com/office/powerpoint/2010/main" val="1588858355"/>
+        <p14:creationId xmlns:p14="http://schemas.microsoft.com/office/powerpoint/2010/main" val="2490875768"/>
       </p:ext>
     </p:extLst>
   </p:cSld>
@@ -1228,7 +1228,7 @@
           <p:cNvPr id="2" name="标题 1">
             <a:extLst>
               <a:ext uri="{FF2B5EF4-FFF2-40B4-BE49-F238E27FC236}">
-                <a16:creationId xmlns:a16="http://schemas.microsoft.com/office/drawing/2014/main" id="{713CA4CC-6C3A-CCC5-B8A3-8F68065D44D2}"/>
+                <a16:creationId xmlns:a16="http://schemas.microsoft.com/office/drawing/2014/main" id="{6DFF2F20-4BBD-7F36-BB98-EFCCF070270E}"/>
               </a:ext>
             </a:extLst>
           </p:cNvPr>
@@ -1256,7 +1256,7 @@
           <p:cNvPr id="3" name="内容占位符 2">
             <a:extLst>
               <a:ext uri="{FF2B5EF4-FFF2-40B4-BE49-F238E27FC236}">
-                <a16:creationId xmlns:a16="http://schemas.microsoft.com/office/drawing/2014/main" id="{C11EC324-EB12-66B7-88A3-E3022396A7B3}"/>
+                <a16:creationId xmlns:a16="http://schemas.microsoft.com/office/drawing/2014/main" id="{840FDEFD-FB81-C94A-411F-C82129CE07E5}"/>
               </a:ext>
             </a:extLst>
           </p:cNvPr>
@@ -1318,7 +1318,7 @@
           <p:cNvPr id="4" name="内容占位符 3">
             <a:extLst>
               <a:ext uri="{FF2B5EF4-FFF2-40B4-BE49-F238E27FC236}">
-                <a16:creationId xmlns:a16="http://schemas.microsoft.com/office/drawing/2014/main" id="{68AFBD80-10CC-D5F4-86FB-B4B99F92D8BA}"/>
+                <a16:creationId xmlns:a16="http://schemas.microsoft.com/office/drawing/2014/main" id="{39688344-F320-EBE1-2616-98E900507BBA}"/>
               </a:ext>
             </a:extLst>
           </p:cNvPr>
@@ -1380,7 +1380,7 @@
           <p:cNvPr id="5" name="日期占位符 4">
             <a:extLst>
               <a:ext uri="{FF2B5EF4-FFF2-40B4-BE49-F238E27FC236}">
-                <a16:creationId xmlns:a16="http://schemas.microsoft.com/office/drawing/2014/main" id="{3A63C80F-5AE3-F8C2-7CA9-99A8D6255746}"/>
+                <a16:creationId xmlns:a16="http://schemas.microsoft.com/office/drawing/2014/main" id="{16BD7343-24A0-0714-565F-99B41A9B7A26}"/>
               </a:ext>
             </a:extLst>
           </p:cNvPr>
@@ -1396,7 +1396,7 @@
           <a:bodyPr/>
           <a:lstStyle/>
           <a:p>
-            <a:fld id="{E9018A25-DD76-4BFE-83AD-8E9D90626E2A}" type="datetimeFigureOut">
+            <a:fld id="{25B13478-42A8-475E-ADA4-1609C6ADC592}" type="datetimeFigureOut">
               <a:rPr lang="zh-CN" altLang="en-US" smtClean="0"/>
               <a:t>2024/3/10</a:t>
             </a:fld>
@@ -1409,7 +1409,7 @@
           <p:cNvPr id="6" name="页脚占位符 5">
             <a:extLst>
               <a:ext uri="{FF2B5EF4-FFF2-40B4-BE49-F238E27FC236}">
-                <a16:creationId xmlns:a16="http://schemas.microsoft.com/office/drawing/2014/main" id="{0A7E4297-E37D-D27D-B059-9A6EEBCCC283}"/>
+                <a16:creationId xmlns:a16="http://schemas.microsoft.com/office/drawing/2014/main" id="{047BDA00-C218-18B2-F4B1-B525671A0448}"/>
               </a:ext>
             </a:extLst>
           </p:cNvPr>
@@ -1434,7 +1434,7 @@
           <p:cNvPr id="7" name="灯片编号占位符 6">
             <a:extLst>
               <a:ext uri="{FF2B5EF4-FFF2-40B4-BE49-F238E27FC236}">
-                <a16:creationId xmlns:a16="http://schemas.microsoft.com/office/drawing/2014/main" id="{AEDFF185-5DD8-AA06-1F37-A7525E94D4D7}"/>
+                <a16:creationId xmlns:a16="http://schemas.microsoft.com/office/drawing/2014/main" id="{3DD0870C-B10F-095F-2340-EFFBD6675FBD}"/>
               </a:ext>
             </a:extLst>
           </p:cNvPr>
@@ -1450,7 +1450,7 @@
           <a:bodyPr/>
           <a:lstStyle/>
           <a:p>
-            <a:fld id="{05603804-EB28-4121-BF09-B07BC83A3622}" type="slidenum">
+            <a:fld id="{0AB68ECD-8784-4D92-B5E8-E59B550D333E}" type="slidenum">
               <a:rPr lang="zh-CN" altLang="en-US" smtClean="0"/>
               <a:t>‹#›</a:t>
             </a:fld>
@@ -1461,7 +1461,7 @@
     </p:spTree>
     <p:extLst>
       <p:ext uri="{BB962C8B-B14F-4D97-AF65-F5344CB8AC3E}">
-        <p14:creationId xmlns:p14="http://schemas.microsoft.com/office/powerpoint/2010/main" val="3156905341"/>
+        <p14:creationId xmlns:p14="http://schemas.microsoft.com/office/powerpoint/2010/main" val="2689485062"/>
       </p:ext>
     </p:extLst>
   </p:cSld>
@@ -1493,7 +1493,7 @@
           <p:cNvPr id="2" name="标题 1">
             <a:extLst>
               <a:ext uri="{FF2B5EF4-FFF2-40B4-BE49-F238E27FC236}">
-                <a16:creationId xmlns:a16="http://schemas.microsoft.com/office/drawing/2014/main" id="{2F81179A-C63C-22A6-8289-B821AC67A2A6}"/>
+                <a16:creationId xmlns:a16="http://schemas.microsoft.com/office/drawing/2014/main" id="{BE0E2C32-0D11-2669-E8AD-997B61866E7C}"/>
               </a:ext>
             </a:extLst>
           </p:cNvPr>
@@ -1526,7 +1526,7 @@
           <p:cNvPr id="3" name="文本占位符 2">
             <a:extLst>
               <a:ext uri="{FF2B5EF4-FFF2-40B4-BE49-F238E27FC236}">
-                <a16:creationId xmlns:a16="http://schemas.microsoft.com/office/drawing/2014/main" id="{5C4EB7E6-40A6-4D5F-B83A-23114110E330}"/>
+                <a16:creationId xmlns:a16="http://schemas.microsoft.com/office/drawing/2014/main" id="{D63F846C-8DB7-208E-7B84-6FF8FE4D7417}"/>
               </a:ext>
             </a:extLst>
           </p:cNvPr>
@@ -1597,7 +1597,7 @@
           <p:cNvPr id="4" name="内容占位符 3">
             <a:extLst>
               <a:ext uri="{FF2B5EF4-FFF2-40B4-BE49-F238E27FC236}">
-                <a16:creationId xmlns:a16="http://schemas.microsoft.com/office/drawing/2014/main" id="{600A07CE-7F6F-2970-E820-645C4EB02A6F}"/>
+                <a16:creationId xmlns:a16="http://schemas.microsoft.com/office/drawing/2014/main" id="{75171D8F-67C7-6390-B27F-55FD952207AE}"/>
               </a:ext>
             </a:extLst>
           </p:cNvPr>
@@ -1659,7 +1659,7 @@
           <p:cNvPr id="5" name="文本占位符 4">
             <a:extLst>
               <a:ext uri="{FF2B5EF4-FFF2-40B4-BE49-F238E27FC236}">
-                <a16:creationId xmlns:a16="http://schemas.microsoft.com/office/drawing/2014/main" id="{7A076C2B-5753-2930-0639-3595BE326DA2}"/>
+                <a16:creationId xmlns:a16="http://schemas.microsoft.com/office/drawing/2014/main" id="{33B4660A-ADAE-6112-C20E-155B5B73ED6F}"/>
               </a:ext>
             </a:extLst>
           </p:cNvPr>
@@ -1730,7 +1730,7 @@
           <p:cNvPr id="6" name="内容占位符 5">
             <a:extLst>
               <a:ext uri="{FF2B5EF4-FFF2-40B4-BE49-F238E27FC236}">
-                <a16:creationId xmlns:a16="http://schemas.microsoft.com/office/drawing/2014/main" id="{2916C19E-469F-2EC5-92DA-5851798301FE}"/>
+                <a16:creationId xmlns:a16="http://schemas.microsoft.com/office/drawing/2014/main" id="{60C960DA-6143-A0FD-1043-7958932E7693}"/>
               </a:ext>
             </a:extLst>
           </p:cNvPr>
@@ -1792,7 +1792,7 @@
           <p:cNvPr id="7" name="日期占位符 6">
             <a:extLst>
               <a:ext uri="{FF2B5EF4-FFF2-40B4-BE49-F238E27FC236}">
-                <a16:creationId xmlns:a16="http://schemas.microsoft.com/office/drawing/2014/main" id="{F80D630A-D9C2-212D-47A0-FC928B5EA1DB}"/>
+                <a16:creationId xmlns:a16="http://schemas.microsoft.com/office/drawing/2014/main" id="{CC4A9644-0DFA-1C8D-2C4C-10CCBD47A5F2}"/>
               </a:ext>
             </a:extLst>
           </p:cNvPr>
@@ -1808,7 +1808,7 @@
           <a:bodyPr/>
           <a:lstStyle/>
           <a:p>
-            <a:fld id="{E9018A25-DD76-4BFE-83AD-8E9D90626E2A}" type="datetimeFigureOut">
+            <a:fld id="{25B13478-42A8-475E-ADA4-1609C6ADC592}" type="datetimeFigureOut">
               <a:rPr lang="zh-CN" altLang="en-US" smtClean="0"/>
               <a:t>2024/3/10</a:t>
             </a:fld>
@@ -1821,7 +1821,7 @@
           <p:cNvPr id="8" name="页脚占位符 7">
             <a:extLst>
               <a:ext uri="{FF2B5EF4-FFF2-40B4-BE49-F238E27FC236}">
-                <a16:creationId xmlns:a16="http://schemas.microsoft.com/office/drawing/2014/main" id="{0965E44A-804F-FFE3-C145-70E46E112519}"/>
+                <a16:creationId xmlns:a16="http://schemas.microsoft.com/office/drawing/2014/main" id="{9C67F4E3-37DC-9417-15AF-48D901784993}"/>
               </a:ext>
             </a:extLst>
           </p:cNvPr>
@@ -1846,7 +1846,7 @@
           <p:cNvPr id="9" name="灯片编号占位符 8">
             <a:extLst>
               <a:ext uri="{FF2B5EF4-FFF2-40B4-BE49-F238E27FC236}">
-                <a16:creationId xmlns:a16="http://schemas.microsoft.com/office/drawing/2014/main" id="{6C851118-0D2A-640B-4521-83D8E4F7B8BA}"/>
+                <a16:creationId xmlns:a16="http://schemas.microsoft.com/office/drawing/2014/main" id="{8ED07390-ED6C-6E44-5943-C6B3B6869D11}"/>
               </a:ext>
             </a:extLst>
           </p:cNvPr>
@@ -1862,7 +1862,7 @@
           <a:bodyPr/>
           <a:lstStyle/>
           <a:p>
-            <a:fld id="{05603804-EB28-4121-BF09-B07BC83A3622}" type="slidenum">
+            <a:fld id="{0AB68ECD-8784-4D92-B5E8-E59B550D333E}" type="slidenum">
               <a:rPr lang="zh-CN" altLang="en-US" smtClean="0"/>
               <a:t>‹#›</a:t>
             </a:fld>
@@ -1873,7 +1873,7 @@
     </p:spTree>
     <p:extLst>
       <p:ext uri="{BB962C8B-B14F-4D97-AF65-F5344CB8AC3E}">
-        <p14:creationId xmlns:p14="http://schemas.microsoft.com/office/powerpoint/2010/main" val="2363343184"/>
+        <p14:creationId xmlns:p14="http://schemas.microsoft.com/office/powerpoint/2010/main" val="2510930379"/>
       </p:ext>
     </p:extLst>
   </p:cSld>
@@ -1905,7 +1905,7 @@
           <p:cNvPr id="2" name="标题 1">
             <a:extLst>
               <a:ext uri="{FF2B5EF4-FFF2-40B4-BE49-F238E27FC236}">
-                <a16:creationId xmlns:a16="http://schemas.microsoft.com/office/drawing/2014/main" id="{36172F05-446B-2CB7-EAEA-6CB96D42727C}"/>
+                <a16:creationId xmlns:a16="http://schemas.microsoft.com/office/drawing/2014/main" id="{ACC279DE-6847-CC0D-71E4-AD7814D13622}"/>
               </a:ext>
             </a:extLst>
           </p:cNvPr>
@@ -1933,7 +1933,7 @@
           <p:cNvPr id="3" name="日期占位符 2">
             <a:extLst>
               <a:ext uri="{FF2B5EF4-FFF2-40B4-BE49-F238E27FC236}">
-                <a16:creationId xmlns:a16="http://schemas.microsoft.com/office/drawing/2014/main" id="{AC7F0CF8-FA73-DAC5-4355-8F986E2659E8}"/>
+                <a16:creationId xmlns:a16="http://schemas.microsoft.com/office/drawing/2014/main" id="{223B0482-9768-EBA6-25A7-0420138694ED}"/>
               </a:ext>
             </a:extLst>
           </p:cNvPr>
@@ -1949,7 +1949,7 @@
           <a:bodyPr/>
           <a:lstStyle/>
           <a:p>
-            <a:fld id="{E9018A25-DD76-4BFE-83AD-8E9D90626E2A}" type="datetimeFigureOut">
+            <a:fld id="{25B13478-42A8-475E-ADA4-1609C6ADC592}" type="datetimeFigureOut">
               <a:rPr lang="zh-CN" altLang="en-US" smtClean="0"/>
               <a:t>2024/3/10</a:t>
             </a:fld>
@@ -1962,7 +1962,7 @@
           <p:cNvPr id="4" name="页脚占位符 3">
             <a:extLst>
               <a:ext uri="{FF2B5EF4-FFF2-40B4-BE49-F238E27FC236}">
-                <a16:creationId xmlns:a16="http://schemas.microsoft.com/office/drawing/2014/main" id="{EEF45058-82A8-5B8A-EF5D-1E99D093FD85}"/>
+                <a16:creationId xmlns:a16="http://schemas.microsoft.com/office/drawing/2014/main" id="{0C0979FB-49B2-A6A7-936E-EA72A9C29BCC}"/>
               </a:ext>
             </a:extLst>
           </p:cNvPr>
@@ -1987,7 +1987,7 @@
           <p:cNvPr id="5" name="灯片编号占位符 4">
             <a:extLst>
               <a:ext uri="{FF2B5EF4-FFF2-40B4-BE49-F238E27FC236}">
-                <a16:creationId xmlns:a16="http://schemas.microsoft.com/office/drawing/2014/main" id="{C195C41F-4352-659C-F900-6184EF942D2D}"/>
+                <a16:creationId xmlns:a16="http://schemas.microsoft.com/office/drawing/2014/main" id="{69647E2D-99E4-21C8-7F90-F89755DF5407}"/>
               </a:ext>
             </a:extLst>
           </p:cNvPr>
@@ -2003,7 +2003,7 @@
           <a:bodyPr/>
           <a:lstStyle/>
           <a:p>
-            <a:fld id="{05603804-EB28-4121-BF09-B07BC83A3622}" type="slidenum">
+            <a:fld id="{0AB68ECD-8784-4D92-B5E8-E59B550D333E}" type="slidenum">
               <a:rPr lang="zh-CN" altLang="en-US" smtClean="0"/>
               <a:t>‹#›</a:t>
             </a:fld>
@@ -2014,7 +2014,7 @@
     </p:spTree>
     <p:extLst>
       <p:ext uri="{BB962C8B-B14F-4D97-AF65-F5344CB8AC3E}">
-        <p14:creationId xmlns:p14="http://schemas.microsoft.com/office/powerpoint/2010/main" val="3263108971"/>
+        <p14:creationId xmlns:p14="http://schemas.microsoft.com/office/powerpoint/2010/main" val="482036616"/>
       </p:ext>
     </p:extLst>
   </p:cSld>
@@ -2046,7 +2046,7 @@
           <p:cNvPr id="2" name="日期占位符 1">
             <a:extLst>
               <a:ext uri="{FF2B5EF4-FFF2-40B4-BE49-F238E27FC236}">
-                <a16:creationId xmlns:a16="http://schemas.microsoft.com/office/drawing/2014/main" id="{37793916-8CFA-BA43-1C90-7EF96FEA9EF3}"/>
+                <a16:creationId xmlns:a16="http://schemas.microsoft.com/office/drawing/2014/main" id="{5EC7FB36-76EA-F013-0B95-F03447DF00DA}"/>
               </a:ext>
             </a:extLst>
           </p:cNvPr>
@@ -2062,7 +2062,7 @@
           <a:bodyPr/>
           <a:lstStyle/>
           <a:p>
-            <a:fld id="{E9018A25-DD76-4BFE-83AD-8E9D90626E2A}" type="datetimeFigureOut">
+            <a:fld id="{25B13478-42A8-475E-ADA4-1609C6ADC592}" type="datetimeFigureOut">
               <a:rPr lang="zh-CN" altLang="en-US" smtClean="0"/>
               <a:t>2024/3/10</a:t>
             </a:fld>
@@ -2075,7 +2075,7 @@
           <p:cNvPr id="3" name="页脚占位符 2">
             <a:extLst>
               <a:ext uri="{FF2B5EF4-FFF2-40B4-BE49-F238E27FC236}">
-                <a16:creationId xmlns:a16="http://schemas.microsoft.com/office/drawing/2014/main" id="{2E8C7A81-2B81-C650-355B-4166CABF4AA6}"/>
+                <a16:creationId xmlns:a16="http://schemas.microsoft.com/office/drawing/2014/main" id="{A8F2F5A7-A315-0A36-248B-E5D8BD5D9DE6}"/>
               </a:ext>
             </a:extLst>
           </p:cNvPr>
@@ -2100,7 +2100,7 @@
           <p:cNvPr id="4" name="灯片编号占位符 3">
             <a:extLst>
               <a:ext uri="{FF2B5EF4-FFF2-40B4-BE49-F238E27FC236}">
-                <a16:creationId xmlns:a16="http://schemas.microsoft.com/office/drawing/2014/main" id="{65858446-188A-0ECC-6E4D-0A3537C12F4E}"/>
+                <a16:creationId xmlns:a16="http://schemas.microsoft.com/office/drawing/2014/main" id="{6E3D56B1-FC26-B1D7-BA26-16CFEAFDAA41}"/>
               </a:ext>
             </a:extLst>
           </p:cNvPr>
@@ -2116,7 +2116,7 @@
           <a:bodyPr/>
           <a:lstStyle/>
           <a:p>
-            <a:fld id="{05603804-EB28-4121-BF09-B07BC83A3622}" type="slidenum">
+            <a:fld id="{0AB68ECD-8784-4D92-B5E8-E59B550D333E}" type="slidenum">
               <a:rPr lang="zh-CN" altLang="en-US" smtClean="0"/>
               <a:t>‹#›</a:t>
             </a:fld>
@@ -2127,7 +2127,7 @@
     </p:spTree>
     <p:extLst>
       <p:ext uri="{BB962C8B-B14F-4D97-AF65-F5344CB8AC3E}">
-        <p14:creationId xmlns:p14="http://schemas.microsoft.com/office/powerpoint/2010/main" val="1084330278"/>
+        <p14:creationId xmlns:p14="http://schemas.microsoft.com/office/powerpoint/2010/main" val="2063023747"/>
       </p:ext>
     </p:extLst>
   </p:cSld>
@@ -2159,7 +2159,7 @@
           <p:cNvPr id="2" name="标题 1">
             <a:extLst>
               <a:ext uri="{FF2B5EF4-FFF2-40B4-BE49-F238E27FC236}">
-                <a16:creationId xmlns:a16="http://schemas.microsoft.com/office/drawing/2014/main" id="{F3843564-9FE9-D5B1-CD9F-28398EB878DD}"/>
+                <a16:creationId xmlns:a16="http://schemas.microsoft.com/office/drawing/2014/main" id="{FD6595CA-ADC1-4EA6-FDB1-B8A1E5CE7DD6}"/>
               </a:ext>
             </a:extLst>
           </p:cNvPr>
@@ -2196,7 +2196,7 @@
           <p:cNvPr id="3" name="内容占位符 2">
             <a:extLst>
               <a:ext uri="{FF2B5EF4-FFF2-40B4-BE49-F238E27FC236}">
-                <a16:creationId xmlns:a16="http://schemas.microsoft.com/office/drawing/2014/main" id="{2A69C129-3E6E-34E1-DB00-D188DA1F2094}"/>
+                <a16:creationId xmlns:a16="http://schemas.microsoft.com/office/drawing/2014/main" id="{A8ECF242-7FA8-25A1-303D-81A286B4ACCC}"/>
               </a:ext>
             </a:extLst>
           </p:cNvPr>
@@ -2286,7 +2286,7 @@
           <p:cNvPr id="4" name="文本占位符 3">
             <a:extLst>
               <a:ext uri="{FF2B5EF4-FFF2-40B4-BE49-F238E27FC236}">
-                <a16:creationId xmlns:a16="http://schemas.microsoft.com/office/drawing/2014/main" id="{2CE199DE-3C2B-160F-6E07-CA05FBB59BD9}"/>
+                <a16:creationId xmlns:a16="http://schemas.microsoft.com/office/drawing/2014/main" id="{C589CBB4-92CB-6475-F4C9-A0F182AA152C}"/>
               </a:ext>
             </a:extLst>
           </p:cNvPr>
@@ -2357,7 +2357,7 @@
           <p:cNvPr id="5" name="日期占位符 4">
             <a:extLst>
               <a:ext uri="{FF2B5EF4-FFF2-40B4-BE49-F238E27FC236}">
-                <a16:creationId xmlns:a16="http://schemas.microsoft.com/office/drawing/2014/main" id="{689ED479-43A2-17E3-FD02-F350FDA8B18A}"/>
+                <a16:creationId xmlns:a16="http://schemas.microsoft.com/office/drawing/2014/main" id="{7CDDABEA-D824-4344-F0E8-2E3FF32817FE}"/>
               </a:ext>
             </a:extLst>
           </p:cNvPr>
@@ -2373,7 +2373,7 @@
           <a:bodyPr/>
           <a:lstStyle/>
           <a:p>
-            <a:fld id="{E9018A25-DD76-4BFE-83AD-8E9D90626E2A}" type="datetimeFigureOut">
+            <a:fld id="{25B13478-42A8-475E-ADA4-1609C6ADC592}" type="datetimeFigureOut">
               <a:rPr lang="zh-CN" altLang="en-US" smtClean="0"/>
               <a:t>2024/3/10</a:t>
             </a:fld>
@@ -2386,7 +2386,7 @@
           <p:cNvPr id="6" name="页脚占位符 5">
             <a:extLst>
               <a:ext uri="{FF2B5EF4-FFF2-40B4-BE49-F238E27FC236}">
-                <a16:creationId xmlns:a16="http://schemas.microsoft.com/office/drawing/2014/main" id="{2D6B6B3F-F4D6-9BC0-EB77-7E5336990B2D}"/>
+                <a16:creationId xmlns:a16="http://schemas.microsoft.com/office/drawing/2014/main" id="{9A5CAB68-C844-5763-499E-DD090644957D}"/>
               </a:ext>
             </a:extLst>
           </p:cNvPr>
@@ -2411,7 +2411,7 @@
           <p:cNvPr id="7" name="灯片编号占位符 6">
             <a:extLst>
               <a:ext uri="{FF2B5EF4-FFF2-40B4-BE49-F238E27FC236}">
-                <a16:creationId xmlns:a16="http://schemas.microsoft.com/office/drawing/2014/main" id="{920CA8DF-44CA-224A-8477-D8B5FDE00A19}"/>
+                <a16:creationId xmlns:a16="http://schemas.microsoft.com/office/drawing/2014/main" id="{7F4253CE-046E-7BFD-85AF-F5B3E9D16747}"/>
               </a:ext>
             </a:extLst>
           </p:cNvPr>
@@ -2427,7 +2427,7 @@
           <a:bodyPr/>
           <a:lstStyle/>
           <a:p>
-            <a:fld id="{05603804-EB28-4121-BF09-B07BC83A3622}" type="slidenum">
+            <a:fld id="{0AB68ECD-8784-4D92-B5E8-E59B550D333E}" type="slidenum">
               <a:rPr lang="zh-CN" altLang="en-US" smtClean="0"/>
               <a:t>‹#›</a:t>
             </a:fld>
@@ -2438,7 +2438,7 @@
     </p:spTree>
     <p:extLst>
       <p:ext uri="{BB962C8B-B14F-4D97-AF65-F5344CB8AC3E}">
-        <p14:creationId xmlns:p14="http://schemas.microsoft.com/office/powerpoint/2010/main" val="2789910892"/>
+        <p14:creationId xmlns:p14="http://schemas.microsoft.com/office/powerpoint/2010/main" val="3140094769"/>
       </p:ext>
     </p:extLst>
   </p:cSld>
@@ -2470,7 +2470,7 @@
           <p:cNvPr id="2" name="标题 1">
             <a:extLst>
               <a:ext uri="{FF2B5EF4-FFF2-40B4-BE49-F238E27FC236}">
-                <a16:creationId xmlns:a16="http://schemas.microsoft.com/office/drawing/2014/main" id="{6ED4CA12-E0F6-BC80-CE2C-D85D91CB3594}"/>
+                <a16:creationId xmlns:a16="http://schemas.microsoft.com/office/drawing/2014/main" id="{72FA6CA6-C81A-C158-6221-81B264620E0E}"/>
               </a:ext>
             </a:extLst>
           </p:cNvPr>
@@ -2507,7 +2507,7 @@
           <p:cNvPr id="3" name="图片占位符 2">
             <a:extLst>
               <a:ext uri="{FF2B5EF4-FFF2-40B4-BE49-F238E27FC236}">
-                <a16:creationId xmlns:a16="http://schemas.microsoft.com/office/drawing/2014/main" id="{45AA73D5-2E3F-083A-7918-D5BD7CB2BA2A}"/>
+                <a16:creationId xmlns:a16="http://schemas.microsoft.com/office/drawing/2014/main" id="{35672D83-ED96-D93A-704D-182984769DCF}"/>
               </a:ext>
             </a:extLst>
           </p:cNvPr>
@@ -2574,7 +2574,7 @@
           <p:cNvPr id="4" name="文本占位符 3">
             <a:extLst>
               <a:ext uri="{FF2B5EF4-FFF2-40B4-BE49-F238E27FC236}">
-                <a16:creationId xmlns:a16="http://schemas.microsoft.com/office/drawing/2014/main" id="{59CEE36D-AFA5-C9D3-EB39-A34562188AFB}"/>
+                <a16:creationId xmlns:a16="http://schemas.microsoft.com/office/drawing/2014/main" id="{38718856-11BD-70AE-3BBB-3919E6489B38}"/>
               </a:ext>
             </a:extLst>
           </p:cNvPr>
@@ -2645,7 +2645,7 @@
           <p:cNvPr id="5" name="日期占位符 4">
             <a:extLst>
               <a:ext uri="{FF2B5EF4-FFF2-40B4-BE49-F238E27FC236}">
-                <a16:creationId xmlns:a16="http://schemas.microsoft.com/office/drawing/2014/main" id="{012A3249-F7C7-1636-92B4-DC741B93BC01}"/>
+                <a16:creationId xmlns:a16="http://schemas.microsoft.com/office/drawing/2014/main" id="{0FF8F613-A033-874F-F104-B60209ACE8C6}"/>
               </a:ext>
             </a:extLst>
           </p:cNvPr>
@@ -2661,7 +2661,7 @@
           <a:bodyPr/>
           <a:lstStyle/>
           <a:p>
-            <a:fld id="{E9018A25-DD76-4BFE-83AD-8E9D90626E2A}" type="datetimeFigureOut">
+            <a:fld id="{25B13478-42A8-475E-ADA4-1609C6ADC592}" type="datetimeFigureOut">
               <a:rPr lang="zh-CN" altLang="en-US" smtClean="0"/>
               <a:t>2024/3/10</a:t>
             </a:fld>
@@ -2674,7 +2674,7 @@
           <p:cNvPr id="6" name="页脚占位符 5">
             <a:extLst>
               <a:ext uri="{FF2B5EF4-FFF2-40B4-BE49-F238E27FC236}">
-                <a16:creationId xmlns:a16="http://schemas.microsoft.com/office/drawing/2014/main" id="{93E9B2A5-EECF-B1D9-6D46-4A46C88F6D75}"/>
+                <a16:creationId xmlns:a16="http://schemas.microsoft.com/office/drawing/2014/main" id="{1438D33B-E165-ED39-4321-8CB412BC5D04}"/>
               </a:ext>
             </a:extLst>
           </p:cNvPr>
@@ -2699,7 +2699,7 @@
           <p:cNvPr id="7" name="灯片编号占位符 6">
             <a:extLst>
               <a:ext uri="{FF2B5EF4-FFF2-40B4-BE49-F238E27FC236}">
-                <a16:creationId xmlns:a16="http://schemas.microsoft.com/office/drawing/2014/main" id="{AAC7A228-A637-2AC4-E07D-D038D30DF8D6}"/>
+                <a16:creationId xmlns:a16="http://schemas.microsoft.com/office/drawing/2014/main" id="{1088F48A-28FD-ACC9-F843-30C13F3C493D}"/>
               </a:ext>
             </a:extLst>
           </p:cNvPr>
@@ -2715,7 +2715,7 @@
           <a:bodyPr/>
           <a:lstStyle/>
           <a:p>
-            <a:fld id="{05603804-EB28-4121-BF09-B07BC83A3622}" type="slidenum">
+            <a:fld id="{0AB68ECD-8784-4D92-B5E8-E59B550D333E}" type="slidenum">
               <a:rPr lang="zh-CN" altLang="en-US" smtClean="0"/>
               <a:t>‹#›</a:t>
             </a:fld>
@@ -2726,7 +2726,7 @@
     </p:spTree>
     <p:extLst>
       <p:ext uri="{BB962C8B-B14F-4D97-AF65-F5344CB8AC3E}">
-        <p14:creationId xmlns:p14="http://schemas.microsoft.com/office/powerpoint/2010/main" val="2993449245"/>
+        <p14:creationId xmlns:p14="http://schemas.microsoft.com/office/powerpoint/2010/main" val="3229436828"/>
       </p:ext>
     </p:extLst>
   </p:cSld>
@@ -2763,7 +2763,7 @@
           <p:cNvPr id="2" name="标题占位符 1">
             <a:extLst>
               <a:ext uri="{FF2B5EF4-FFF2-40B4-BE49-F238E27FC236}">
-                <a16:creationId xmlns:a16="http://schemas.microsoft.com/office/drawing/2014/main" id="{02B98B5A-E4AE-ABF7-A92D-B15128EAADFB}"/>
+                <a16:creationId xmlns:a16="http://schemas.microsoft.com/office/drawing/2014/main" id="{064C7052-512C-CB92-3018-34BB4316C1F0}"/>
               </a:ext>
             </a:extLst>
           </p:cNvPr>
@@ -2801,7 +2801,7 @@
           <p:cNvPr id="3" name="文本占位符 2">
             <a:extLst>
               <a:ext uri="{FF2B5EF4-FFF2-40B4-BE49-F238E27FC236}">
-                <a16:creationId xmlns:a16="http://schemas.microsoft.com/office/drawing/2014/main" id="{6A6CBFB9-E1FA-F588-C59F-C78BC1FCE21B}"/>
+                <a16:creationId xmlns:a16="http://schemas.microsoft.com/office/drawing/2014/main" id="{B688D643-8F86-AEE8-024B-EFDBCA868ADB}"/>
               </a:ext>
             </a:extLst>
           </p:cNvPr>
@@ -2868,7 +2868,7 @@
           <p:cNvPr id="4" name="日期占位符 3">
             <a:extLst>
               <a:ext uri="{FF2B5EF4-FFF2-40B4-BE49-F238E27FC236}">
-                <a16:creationId xmlns:a16="http://schemas.microsoft.com/office/drawing/2014/main" id="{80016208-9BA3-E979-4EE4-8F7B390292BF}"/>
+                <a16:creationId xmlns:a16="http://schemas.microsoft.com/office/drawing/2014/main" id="{8265A82B-9A2E-222F-203E-2BCC1A135055}"/>
               </a:ext>
             </a:extLst>
           </p:cNvPr>
@@ -2902,7 +2902,7 @@
             </a:lvl1pPr>
           </a:lstStyle>
           <a:p>
-            <a:fld id="{E9018A25-DD76-4BFE-83AD-8E9D90626E2A}" type="datetimeFigureOut">
+            <a:fld id="{25B13478-42A8-475E-ADA4-1609C6ADC592}" type="datetimeFigureOut">
               <a:rPr lang="zh-CN" altLang="en-US" smtClean="0"/>
               <a:t>2024/3/10</a:t>
             </a:fld>
@@ -2915,7 +2915,7 @@
           <p:cNvPr id="5" name="页脚占位符 4">
             <a:extLst>
               <a:ext uri="{FF2B5EF4-FFF2-40B4-BE49-F238E27FC236}">
-                <a16:creationId xmlns:a16="http://schemas.microsoft.com/office/drawing/2014/main" id="{27A929B8-17C4-9BB2-C121-EED39039BD2B}"/>
+                <a16:creationId xmlns:a16="http://schemas.microsoft.com/office/drawing/2014/main" id="{CC7DB1F0-20B4-0A9B-03EB-45F16BFDBC0B}"/>
               </a:ext>
             </a:extLst>
           </p:cNvPr>
@@ -2958,7 +2958,7 @@
           <p:cNvPr id="6" name="灯片编号占位符 5">
             <a:extLst>
               <a:ext uri="{FF2B5EF4-FFF2-40B4-BE49-F238E27FC236}">
-                <a16:creationId xmlns:a16="http://schemas.microsoft.com/office/drawing/2014/main" id="{6FA27961-157E-F13D-991C-0C70F05838D5}"/>
+                <a16:creationId xmlns:a16="http://schemas.microsoft.com/office/drawing/2014/main" id="{F0B4D3A5-7F8E-0C8E-7051-06A2F107C21B}"/>
               </a:ext>
             </a:extLst>
           </p:cNvPr>
@@ -2992,7 +2992,7 @@
             </a:lvl1pPr>
           </a:lstStyle>
           <a:p>
-            <a:fld id="{05603804-EB28-4121-BF09-B07BC83A3622}" type="slidenum">
+            <a:fld id="{0AB68ECD-8784-4D92-B5E8-E59B550D333E}" type="slidenum">
               <a:rPr lang="zh-CN" altLang="en-US" smtClean="0"/>
               <a:t>‹#›</a:t>
             </a:fld>
@@ -3003,7 +3003,7 @@
     </p:spTree>
     <p:extLst>
       <p:ext uri="{BB962C8B-B14F-4D97-AF65-F5344CB8AC3E}">
-        <p14:creationId xmlns:p14="http://schemas.microsoft.com/office/powerpoint/2010/main" val="2471791540"/>
+        <p14:creationId xmlns:p14="http://schemas.microsoft.com/office/powerpoint/2010/main" val="977606072"/>
       </p:ext>
     </p:extLst>
   </p:cSld>
@@ -3323,7 +3323,7 @@
       </p:grpSpPr>
       <p:pic>
         <p:nvPicPr>
-          <p:cNvPr id="376834" name="Picture 2" descr="367"/>
+          <p:cNvPr id="377858" name="Picture 2" descr="368"/>
           <p:cNvPicPr>
             <a:picLocks noChangeAspect="1" noChangeArrowheads="1"/>
           </p:cNvPicPr>
@@ -3375,158 +3375,11 @@
           </a:extLst>
         </p:spPr>
       </p:pic>
-      <p:pic>
-        <p:nvPicPr>
-          <p:cNvPr id="377859" name="Picture 3" descr="367-2"/>
-          <p:cNvPicPr>
-            <a:picLocks noChangeAspect="1" noChangeArrowheads="1"/>
-          </p:cNvPicPr>
-          <p:nvPr/>
-        </p:nvPicPr>
-        <p:blipFill>
-          <a:blip r:embed="rId3">
-            <a:extLst>
-              <a:ext uri="{28A0092B-C50C-407E-A947-70E740481C1C}">
-                <a14:useLocalDpi xmlns:a14="http://schemas.microsoft.com/office/drawing/2010/main" val="0"/>
-              </a:ext>
-            </a:extLst>
-          </a:blip>
-          <a:srcRect/>
-          <a:stretch>
-            <a:fillRect/>
-          </a:stretch>
-        </p:blipFill>
-        <p:spPr bwMode="auto">
-          <a:xfrm>
-            <a:off x="1524000" y="0"/>
-            <a:ext cx="9144000" cy="6858000"/>
-          </a:xfrm>
-          <a:prstGeom prst="rect">
-            <a:avLst/>
-          </a:prstGeom>
-          <a:noFill/>
-          <a:ln>
-            <a:noFill/>
-          </a:ln>
-          <a:effectLst/>
-          <a:extLst>
-            <a:ext uri="{909E8E84-426E-40DD-AFC4-6F175D3DCCD1}">
-              <a14:hiddenFill xmlns:a14="http://schemas.microsoft.com/office/drawing/2010/main">
-                <a:solidFill>
-                  <a:srgbClr val="FFFFFF"/>
-                </a:solidFill>
-              </a14:hiddenFill>
-            </a:ext>
-            <a:ext uri="{91240B29-F687-4F45-9708-019B960494DF}">
-              <a14:hiddenLine xmlns:a14="http://schemas.microsoft.com/office/drawing/2010/main" w="9525">
-                <a:solidFill>
-                  <a:srgbClr val="000000"/>
-                </a:solidFill>
-                <a:miter lim="800000"/>
-                <a:headEnd/>
-                <a:tailEnd/>
-              </a14:hiddenLine>
-            </a:ext>
-            <a:ext uri="{AF507438-7753-43E0-B8FC-AC1667EBCBE1}">
-              <a14:hiddenEffects xmlns:a14="http://schemas.microsoft.com/office/drawing/2010/main">
-                <a:effectLst>
-                  <a:outerShdw dist="35921" dir="2700000" algn="ctr" rotWithShape="0">
-                    <a:srgbClr val="808080"/>
-                  </a:outerShdw>
-                </a:effectLst>
-              </a14:hiddenEffects>
-            </a:ext>
-          </a:extLst>
-        </p:spPr>
-      </p:pic>
     </p:spTree>
   </p:cSld>
   <p:clrMapOvr>
     <a:masterClrMapping/>
   </p:clrMapOvr>
-  <p:timing>
-    <p:tnLst>
-      <p:par>
-        <p:cTn id="1" dur="indefinite" restart="never" nodeType="tmRoot">
-          <p:childTnLst>
-            <p:seq concurrent="1" nextAc="seek">
-              <p:cTn id="2" dur="indefinite" nodeType="mainSeq">
-                <p:childTnLst>
-                  <p:par>
-                    <p:cTn id="3" fill="hold" nodeType="clickPar">
-                      <p:stCondLst>
-                        <p:cond delay="indefinite"/>
-                      </p:stCondLst>
-                      <p:childTnLst>
-                        <p:par>
-                          <p:cTn id="4" fill="hold" nodeType="withGroup">
-                            <p:stCondLst>
-                              <p:cond delay="0"/>
-                            </p:stCondLst>
-                            <p:childTnLst>
-                              <p:par>
-                                <p:cTn id="5" presetID="10" presetClass="entr" presetSubtype="0" fill="hold" nodeType="clickEffect">
-                                  <p:stCondLst>
-                                    <p:cond delay="0"/>
-                                  </p:stCondLst>
-                                  <p:childTnLst>
-                                    <p:set>
-                                      <p:cBhvr>
-                                        <p:cTn id="6" dur="1" fill="hold">
-                                          <p:stCondLst>
-                                            <p:cond delay="0"/>
-                                          </p:stCondLst>
-                                        </p:cTn>
-                                        <p:tgtEl>
-                                          <p:spTgt spid="377859"/>
-                                        </p:tgtEl>
-                                        <p:attrNameLst>
-                                          <p:attrName>style.visibility</p:attrName>
-                                        </p:attrNameLst>
-                                      </p:cBhvr>
-                                      <p:to>
-                                        <p:strVal val="visible"/>
-                                      </p:to>
-                                    </p:set>
-                                    <p:animEffect transition="in" filter="fade">
-                                      <p:cBhvr>
-                                        <p:cTn id="7" dur="500"/>
-                                        <p:tgtEl>
-                                          <p:spTgt spid="377859"/>
-                                        </p:tgtEl>
-                                      </p:cBhvr>
-                                    </p:animEffect>
-                                  </p:childTnLst>
-                                </p:cTn>
-                              </p:par>
-                            </p:childTnLst>
-                          </p:cTn>
-                        </p:par>
-                      </p:childTnLst>
-                    </p:cTn>
-                  </p:par>
-                </p:childTnLst>
-              </p:cTn>
-              <p:prevCondLst>
-                <p:cond evt="onPrev" delay="0">
-                  <p:tgtEl>
-                    <p:sldTgt/>
-                  </p:tgtEl>
-                </p:cond>
-              </p:prevCondLst>
-              <p:nextCondLst>
-                <p:cond evt="onNext" delay="0">
-                  <p:tgtEl>
-                    <p:sldTgt/>
-                  </p:tgtEl>
-                </p:cond>
-              </p:nextCondLst>
-            </p:seq>
-          </p:childTnLst>
-        </p:cTn>
-      </p:par>
-    </p:tnLst>
-  </p:timing>
 </p:sld>
 </file>
 
